--- a/doxygen/images/dreamplace.pptx
+++ b/doxygen/images/dreamplace.pptx
@@ -10198,7 +10198,7 @@
           <a:p>
             <a:fld id="{CD878A9E-B472-5648-B6AA-BA664D71201A}" type="datetimeFigureOut">
               <a:rPr lang="en-US" smtClean="0"/>
-              <a:t>4/23/20</a:t>
+              <a:t>4/24/20</a:t>
             </a:fld>
             <a:endParaRPr lang="en-US"/>
           </a:p>
@@ -10396,7 +10396,7 @@
           <a:p>
             <a:fld id="{CD878A9E-B472-5648-B6AA-BA664D71201A}" type="datetimeFigureOut">
               <a:rPr lang="en-US" smtClean="0"/>
-              <a:t>4/23/20</a:t>
+              <a:t>4/24/20</a:t>
             </a:fld>
             <a:endParaRPr lang="en-US"/>
           </a:p>
@@ -10604,7 +10604,7 @@
           <a:p>
             <a:fld id="{CD878A9E-B472-5648-B6AA-BA664D71201A}" type="datetimeFigureOut">
               <a:rPr lang="en-US" smtClean="0"/>
-              <a:t>4/23/20</a:t>
+              <a:t>4/24/20</a:t>
             </a:fld>
             <a:endParaRPr lang="en-US"/>
           </a:p>
@@ -10802,7 +10802,7 @@
           <a:p>
             <a:fld id="{CD878A9E-B472-5648-B6AA-BA664D71201A}" type="datetimeFigureOut">
               <a:rPr lang="en-US" smtClean="0"/>
-              <a:t>4/23/20</a:t>
+              <a:t>4/24/20</a:t>
             </a:fld>
             <a:endParaRPr lang="en-US"/>
           </a:p>
@@ -11077,7 +11077,7 @@
           <a:p>
             <a:fld id="{CD878A9E-B472-5648-B6AA-BA664D71201A}" type="datetimeFigureOut">
               <a:rPr lang="en-US" smtClean="0"/>
-              <a:t>4/23/20</a:t>
+              <a:t>4/24/20</a:t>
             </a:fld>
             <a:endParaRPr lang="en-US"/>
           </a:p>
@@ -11342,7 +11342,7 @@
           <a:p>
             <a:fld id="{CD878A9E-B472-5648-B6AA-BA664D71201A}" type="datetimeFigureOut">
               <a:rPr lang="en-US" smtClean="0"/>
-              <a:t>4/23/20</a:t>
+              <a:t>4/24/20</a:t>
             </a:fld>
             <a:endParaRPr lang="en-US"/>
           </a:p>
@@ -11754,7 +11754,7 @@
           <a:p>
             <a:fld id="{CD878A9E-B472-5648-B6AA-BA664D71201A}" type="datetimeFigureOut">
               <a:rPr lang="en-US" smtClean="0"/>
-              <a:t>4/23/20</a:t>
+              <a:t>4/24/20</a:t>
             </a:fld>
             <a:endParaRPr lang="en-US"/>
           </a:p>
@@ -11895,7 +11895,7 @@
           <a:p>
             <a:fld id="{CD878A9E-B472-5648-B6AA-BA664D71201A}" type="datetimeFigureOut">
               <a:rPr lang="en-US" smtClean="0"/>
-              <a:t>4/23/20</a:t>
+              <a:t>4/24/20</a:t>
             </a:fld>
             <a:endParaRPr lang="en-US"/>
           </a:p>
@@ -12008,7 +12008,7 @@
           <a:p>
             <a:fld id="{CD878A9E-B472-5648-B6AA-BA664D71201A}" type="datetimeFigureOut">
               <a:rPr lang="en-US" smtClean="0"/>
-              <a:t>4/23/20</a:t>
+              <a:t>4/24/20</a:t>
             </a:fld>
             <a:endParaRPr lang="en-US"/>
           </a:p>
@@ -12319,7 +12319,7 @@
           <a:p>
             <a:fld id="{CD878A9E-B472-5648-B6AA-BA664D71201A}" type="datetimeFigureOut">
               <a:rPr lang="en-US" smtClean="0"/>
-              <a:t>4/23/20</a:t>
+              <a:t>4/24/20</a:t>
             </a:fld>
             <a:endParaRPr lang="en-US"/>
           </a:p>
@@ -12607,7 +12607,7 @@
           <a:p>
             <a:fld id="{CD878A9E-B472-5648-B6AA-BA664D71201A}" type="datetimeFigureOut">
               <a:rPr lang="en-US" smtClean="0"/>
-              <a:t>4/23/20</a:t>
+              <a:t>4/24/20</a:t>
             </a:fld>
             <a:endParaRPr lang="en-US"/>
           </a:p>
@@ -12848,7 +12848,7 @@
           <a:p>
             <a:fld id="{CD878A9E-B472-5648-B6AA-BA664D71201A}" type="datetimeFigureOut">
               <a:rPr lang="en-US" smtClean="0"/>
-              <a:t>4/23/20</a:t>
+              <a:t>4/24/20</a:t>
             </a:fld>
             <a:endParaRPr lang="en-US"/>
           </a:p>
@@ -13453,6 +13453,91 @@
           </a:prstGeom>
         </p:spPr>
       </p:pic>
+      <p:cxnSp>
+        <p:nvCxnSpPr>
+          <p:cNvPr id="3" name="Elbow Connector 2">
+            <a:extLst>
+              <a:ext uri="{FF2B5EF4-FFF2-40B4-BE49-F238E27FC236}">
+                <a16:creationId xmlns:a16="http://schemas.microsoft.com/office/drawing/2014/main" id="{83DD4A08-1456-9047-AA90-CBBF9F8DED2B}"/>
+              </a:ext>
+            </a:extLst>
+          </p:cNvPr>
+          <p:cNvCxnSpPr>
+            <a:stCxn id="5" idx="3"/>
+            <a:endCxn id="9" idx="1"/>
+          </p:cNvCxnSpPr>
+          <p:nvPr/>
+        </p:nvCxnSpPr>
+        <p:spPr>
+          <a:xfrm flipH="1">
+            <a:off x="382744" y="3678621"/>
+            <a:ext cx="11231633" cy="148237"/>
+          </a:xfrm>
+          <a:prstGeom prst="bentConnector5">
+            <a:avLst>
+              <a:gd name="adj1" fmla="val -2035"/>
+              <a:gd name="adj2" fmla="val 1217747"/>
+              <a:gd name="adj3" fmla="val 102035"/>
+            </a:avLst>
+          </a:prstGeom>
+          <a:ln w="25400">
+            <a:solidFill>
+              <a:schemeClr val="tx1"/>
+            </a:solidFill>
+            <a:tailEnd type="triangle" w="lg" len="lg"/>
+          </a:ln>
+        </p:spPr>
+        <p:style>
+          <a:lnRef idx="1">
+            <a:schemeClr val="accent1"/>
+          </a:lnRef>
+          <a:fillRef idx="0">
+            <a:schemeClr val="accent1"/>
+          </a:fillRef>
+          <a:effectRef idx="0">
+            <a:schemeClr val="accent1"/>
+          </a:effectRef>
+          <a:fontRef idx="minor">
+            <a:schemeClr val="tx1"/>
+          </a:fontRef>
+        </p:style>
+      </p:cxnSp>
+      <p:sp>
+        <p:nvSpPr>
+          <p:cNvPr id="4" name="TextBox 3">
+            <a:extLst>
+              <a:ext uri="{FF2B5EF4-FFF2-40B4-BE49-F238E27FC236}">
+                <a16:creationId xmlns:a16="http://schemas.microsoft.com/office/drawing/2014/main" id="{B4547697-33EB-EE4F-80A0-8C2E1EFCF924}"/>
+              </a:ext>
+            </a:extLst>
+          </p:cNvPr>
+          <p:cNvSpPr txBox="1"/>
+          <p:nvPr/>
+        </p:nvSpPr>
+        <p:spPr>
+          <a:xfrm>
+            <a:off x="156411" y="5508697"/>
+            <a:ext cx="11694694" cy="369332"/>
+          </a:xfrm>
+          <a:prstGeom prst="rect">
+            <a:avLst/>
+          </a:prstGeom>
+          <a:noFill/>
+        </p:spPr>
+        <p:txBody>
+          <a:bodyPr wrap="square" rtlCol="0">
+            <a:spAutoFit/>
+          </a:bodyPr>
+          <a:lstStyle/>
+          <a:p>
+            <a:pPr algn="ctr"/>
+            <a:r>
+              <a:rPr lang="en-US" dirty="0"/>
+              <a:t>Iterate until wirelength optimization converges</a:t>
+            </a:r>
+          </a:p>
+        </p:txBody>
+      </p:sp>
     </p:spTree>
     <p:extLst>
       <p:ext uri="{BB962C8B-B14F-4D97-AF65-F5344CB8AC3E}">
